--- a/pins.pptx
+++ b/pins.pptx
@@ -104,13 +104,18 @@
       </a:defRPr>
     </a:lvl9pPr>
   </p:defaultTextStyle>
+  <p:extLst>
+    <p:ext uri="{EFAFB233-063F-42B5-8137-9DF3F51BA10A}">
+      <p15:sldGuideLst xmlns:p15="http://schemas.microsoft.com/office/powerpoint/2012/main"/>
+    </p:ext>
+  </p:extLst>
 </p:presentation>
 </file>
 
 <file path=ppt/revisionInfo.xml><?xml version="1.0" encoding="utf-8"?>
 <p1510:revInfo xmlns:a="http://schemas.openxmlformats.org/drawingml/2006/main" xmlns:r="http://schemas.openxmlformats.org/officeDocument/2006/relationships" xmlns:p1510="http://schemas.microsoft.com/office/powerpoint/2015/10/main">
   <p1510:revLst>
-    <p1510:client id="{4D6ADF74-3365-4C78-990C-9782688ED9BB}" v="1" dt="2024-12-13T18:26:14.005"/>
+    <p1510:client id="{4D6ADF74-3365-4C78-990C-9782688ED9BB}" v="3" dt="2024-12-14T10:26:17.243"/>
   </p1510:revLst>
 </p1510:revInfo>
 </file>
@@ -119,17 +124,65 @@
 <pc:chgInfo xmlns:a="http://schemas.openxmlformats.org/drawingml/2006/main" xmlns:r="http://schemas.openxmlformats.org/officeDocument/2006/relationships" xmlns:ac="http://schemas.microsoft.com/office/drawing/2013/main/command" xmlns:pc="http://schemas.microsoft.com/office/powerpoint/2013/main/command">
   <pc:docChgLst>
     <pc:chgData name="Petrus Nuotio" userId="c4b18ace-da7f-4692-86da-f8d48e03058e" providerId="ADAL" clId="{4D6ADF74-3365-4C78-990C-9782688ED9BB}"/>
-    <pc:docChg chg="modSld">
-      <pc:chgData name="Petrus Nuotio" userId="c4b18ace-da7f-4692-86da-f8d48e03058e" providerId="ADAL" clId="{4D6ADF74-3365-4C78-990C-9782688ED9BB}" dt="2024-12-13T18:26:51.794" v="4" actId="207"/>
+    <pc:docChg chg="custSel modSld">
+      <pc:chgData name="Petrus Nuotio" userId="c4b18ace-da7f-4692-86da-f8d48e03058e" providerId="ADAL" clId="{4D6ADF74-3365-4C78-990C-9782688ED9BB}" dt="2024-12-14T10:26:35.895" v="12" actId="207"/>
       <pc:docMkLst>
         <pc:docMk/>
       </pc:docMkLst>
-      <pc:sldChg chg="addSp modSp mod">
-        <pc:chgData name="Petrus Nuotio" userId="c4b18ace-da7f-4692-86da-f8d48e03058e" providerId="ADAL" clId="{4D6ADF74-3365-4C78-990C-9782688ED9BB}" dt="2024-12-13T18:26:51.794" v="4" actId="207"/>
+      <pc:sldChg chg="addSp delSp modSp mod">
+        <pc:chgData name="Petrus Nuotio" userId="c4b18ace-da7f-4692-86da-f8d48e03058e" providerId="ADAL" clId="{4D6ADF74-3365-4C78-990C-9782688ED9BB}" dt="2024-12-14T10:26:35.895" v="12" actId="207"/>
         <pc:sldMkLst>
           <pc:docMk/>
           <pc:sldMk cId="4274046752" sldId="256"/>
         </pc:sldMkLst>
+        <pc:spChg chg="add mod">
+          <ac:chgData name="Petrus Nuotio" userId="c4b18ace-da7f-4692-86da-f8d48e03058e" providerId="ADAL" clId="{4D6ADF74-3365-4C78-990C-9782688ED9BB}" dt="2024-12-14T10:25:28.319" v="8" actId="1076"/>
+          <ac:spMkLst>
+            <pc:docMk/>
+            <pc:sldMk cId="4274046752" sldId="256"/>
+            <ac:spMk id="2" creationId="{7A045DCD-F931-3D1E-2549-19C555A77D46}"/>
+          </ac:spMkLst>
+        </pc:spChg>
+        <pc:spChg chg="add mod">
+          <ac:chgData name="Petrus Nuotio" userId="c4b18ace-da7f-4692-86da-f8d48e03058e" providerId="ADAL" clId="{4D6ADF74-3365-4C78-990C-9782688ED9BB}" dt="2024-12-14T10:25:44.006" v="9" actId="207"/>
+          <ac:spMkLst>
+            <pc:docMk/>
+            <pc:sldMk cId="4274046752" sldId="256"/>
+            <ac:spMk id="5" creationId="{BCDBB145-3B4B-C348-E62B-92600341C80F}"/>
+          </ac:spMkLst>
+        </pc:spChg>
+        <pc:spChg chg="add mod">
+          <ac:chgData name="Petrus Nuotio" userId="c4b18ace-da7f-4692-86da-f8d48e03058e" providerId="ADAL" clId="{4D6ADF74-3365-4C78-990C-9782688ED9BB}" dt="2024-12-14T10:26:18.486" v="11" actId="1076"/>
+          <ac:spMkLst>
+            <pc:docMk/>
+            <pc:sldMk cId="4274046752" sldId="256"/>
+            <ac:spMk id="7" creationId="{68237891-F6AC-EE85-584C-7682771B9343}"/>
+          </ac:spMkLst>
+        </pc:spChg>
+        <pc:spChg chg="add del mod">
+          <ac:chgData name="Petrus Nuotio" userId="c4b18ace-da7f-4692-86da-f8d48e03058e" providerId="ADAL" clId="{4D6ADF74-3365-4C78-990C-9782688ED9BB}" dt="2024-12-14T10:25:25.949" v="7" actId="478"/>
+          <ac:spMkLst>
+            <pc:docMk/>
+            <pc:sldMk cId="4274046752" sldId="256"/>
+            <ac:spMk id="7" creationId="{CF28ACE7-5D96-50FD-A1A1-9E5A8E9A7D08}"/>
+          </ac:spMkLst>
+        </pc:spChg>
+        <pc:spChg chg="add del mod">
+          <ac:chgData name="Petrus Nuotio" userId="c4b18ace-da7f-4692-86da-f8d48e03058e" providerId="ADAL" clId="{4D6ADF74-3365-4C78-990C-9782688ED9BB}" dt="2024-12-14T10:25:25.949" v="7" actId="478"/>
+          <ac:spMkLst>
+            <pc:docMk/>
+            <pc:sldMk cId="4274046752" sldId="256"/>
+            <ac:spMk id="10" creationId="{146E95DA-31FB-68DB-E5C2-7F6DA1E0B3D5}"/>
+          </ac:spMkLst>
+        </pc:spChg>
+        <pc:spChg chg="add mod">
+          <ac:chgData name="Petrus Nuotio" userId="c4b18ace-da7f-4692-86da-f8d48e03058e" providerId="ADAL" clId="{4D6ADF74-3365-4C78-990C-9782688ED9BB}" dt="2024-12-14T10:26:35.895" v="12" actId="207"/>
+          <ac:spMkLst>
+            <pc:docMk/>
+            <pc:sldMk cId="4274046752" sldId="256"/>
+            <ac:spMk id="10" creationId="{5604021B-19BB-AADB-C9B3-A0416720BAB6}"/>
+          </ac:spMkLst>
+        </pc:spChg>
         <pc:spChg chg="add mod">
           <ac:chgData name="Petrus Nuotio" userId="c4b18ace-da7f-4692-86da-f8d48e03058e" providerId="ADAL" clId="{4D6ADF74-3365-4C78-990C-9782688ED9BB}" dt="2024-12-13T18:26:15.994" v="1" actId="1076"/>
           <ac:spMkLst>
@@ -146,6 +199,30 @@
             <ac:spMk id="18" creationId="{87F0E95C-F870-8E76-F754-7D4DF804D488}"/>
           </ac:spMkLst>
         </pc:spChg>
+        <pc:cxnChg chg="add mod">
+          <ac:chgData name="Petrus Nuotio" userId="c4b18ace-da7f-4692-86da-f8d48e03058e" providerId="ADAL" clId="{4D6ADF74-3365-4C78-990C-9782688ED9BB}" dt="2024-12-14T10:25:28.319" v="8" actId="1076"/>
+          <ac:cxnSpMkLst>
+            <pc:docMk/>
+            <pc:sldMk cId="4274046752" sldId="256"/>
+            <ac:cxnSpMk id="3" creationId="{0D6226CE-1512-583A-03F3-21124409D9D2}"/>
+          </ac:cxnSpMkLst>
+        </pc:cxnChg>
+        <pc:cxnChg chg="add del mod">
+          <ac:chgData name="Petrus Nuotio" userId="c4b18ace-da7f-4692-86da-f8d48e03058e" providerId="ADAL" clId="{4D6ADF74-3365-4C78-990C-9782688ED9BB}" dt="2024-12-14T10:25:25.949" v="7" actId="478"/>
+          <ac:cxnSpMkLst>
+            <pc:docMk/>
+            <pc:sldMk cId="4274046752" sldId="256"/>
+            <ac:cxnSpMk id="8" creationId="{0E3E5972-4B31-8607-DE20-9B10E2CACD59}"/>
+          </ac:cxnSpMkLst>
+        </pc:cxnChg>
+        <pc:cxnChg chg="add mod">
+          <ac:chgData name="Petrus Nuotio" userId="c4b18ace-da7f-4692-86da-f8d48e03058e" providerId="ADAL" clId="{4D6ADF74-3365-4C78-990C-9782688ED9BB}" dt="2024-12-14T10:26:18.486" v="11" actId="1076"/>
+          <ac:cxnSpMkLst>
+            <pc:docMk/>
+            <pc:sldMk cId="4274046752" sldId="256"/>
+            <ac:cxnSpMk id="8" creationId="{31F13175-D4C9-6613-E05C-250A15068EAD}"/>
+          </ac:cxnSpMkLst>
+        </pc:cxnChg>
         <pc:cxnChg chg="add mod">
           <ac:chgData name="Petrus Nuotio" userId="c4b18ace-da7f-4692-86da-f8d48e03058e" providerId="ADAL" clId="{4D6ADF74-3365-4C78-990C-9782688ED9BB}" dt="2024-12-13T18:26:37.744" v="3" actId="208"/>
           <ac:cxnSpMkLst>
@@ -307,7 +384,7 @@
           <a:p>
             <a:fld id="{0C4A22D4-62F2-4FB3-ADF1-4C2F498B4DD9}" type="datetimeFigureOut">
               <a:rPr lang="en-US" smtClean="0"/>
-              <a:t>12/13/2024</a:t>
+              <a:t>12/14/2024</a:t>
             </a:fld>
             <a:endParaRPr lang="en-US"/>
           </a:p>
@@ -505,7 +582,7 @@
           <a:p>
             <a:fld id="{0C4A22D4-62F2-4FB3-ADF1-4C2F498B4DD9}" type="datetimeFigureOut">
               <a:rPr lang="en-US" smtClean="0"/>
-              <a:t>12/13/2024</a:t>
+              <a:t>12/14/2024</a:t>
             </a:fld>
             <a:endParaRPr lang="en-US"/>
           </a:p>
@@ -713,7 +790,7 @@
           <a:p>
             <a:fld id="{0C4A22D4-62F2-4FB3-ADF1-4C2F498B4DD9}" type="datetimeFigureOut">
               <a:rPr lang="en-US" smtClean="0"/>
-              <a:t>12/13/2024</a:t>
+              <a:t>12/14/2024</a:t>
             </a:fld>
             <a:endParaRPr lang="en-US"/>
           </a:p>
@@ -911,7 +988,7 @@
           <a:p>
             <a:fld id="{0C4A22D4-62F2-4FB3-ADF1-4C2F498B4DD9}" type="datetimeFigureOut">
               <a:rPr lang="en-US" smtClean="0"/>
-              <a:t>12/13/2024</a:t>
+              <a:t>12/14/2024</a:t>
             </a:fld>
             <a:endParaRPr lang="en-US"/>
           </a:p>
@@ -1186,7 +1263,7 @@
           <a:p>
             <a:fld id="{0C4A22D4-62F2-4FB3-ADF1-4C2F498B4DD9}" type="datetimeFigureOut">
               <a:rPr lang="en-US" smtClean="0"/>
-              <a:t>12/13/2024</a:t>
+              <a:t>12/14/2024</a:t>
             </a:fld>
             <a:endParaRPr lang="en-US"/>
           </a:p>
@@ -1451,7 +1528,7 @@
           <a:p>
             <a:fld id="{0C4A22D4-62F2-4FB3-ADF1-4C2F498B4DD9}" type="datetimeFigureOut">
               <a:rPr lang="en-US" smtClean="0"/>
-              <a:t>12/13/2024</a:t>
+              <a:t>12/14/2024</a:t>
             </a:fld>
             <a:endParaRPr lang="en-US"/>
           </a:p>
@@ -1863,7 +1940,7 @@
           <a:p>
             <a:fld id="{0C4A22D4-62F2-4FB3-ADF1-4C2F498B4DD9}" type="datetimeFigureOut">
               <a:rPr lang="en-US" smtClean="0"/>
-              <a:t>12/13/2024</a:t>
+              <a:t>12/14/2024</a:t>
             </a:fld>
             <a:endParaRPr lang="en-US"/>
           </a:p>
@@ -2004,7 +2081,7 @@
           <a:p>
             <a:fld id="{0C4A22D4-62F2-4FB3-ADF1-4C2F498B4DD9}" type="datetimeFigureOut">
               <a:rPr lang="en-US" smtClean="0"/>
-              <a:t>12/13/2024</a:t>
+              <a:t>12/14/2024</a:t>
             </a:fld>
             <a:endParaRPr lang="en-US"/>
           </a:p>
@@ -2117,7 +2194,7 @@
           <a:p>
             <a:fld id="{0C4A22D4-62F2-4FB3-ADF1-4C2F498B4DD9}" type="datetimeFigureOut">
               <a:rPr lang="en-US" smtClean="0"/>
-              <a:t>12/13/2024</a:t>
+              <a:t>12/14/2024</a:t>
             </a:fld>
             <a:endParaRPr lang="en-US"/>
           </a:p>
@@ -2428,7 +2505,7 @@
           <a:p>
             <a:fld id="{0C4A22D4-62F2-4FB3-ADF1-4C2F498B4DD9}" type="datetimeFigureOut">
               <a:rPr lang="en-US" smtClean="0"/>
-              <a:t>12/13/2024</a:t>
+              <a:t>12/14/2024</a:t>
             </a:fld>
             <a:endParaRPr lang="en-US"/>
           </a:p>
@@ -2716,7 +2793,7 @@
           <a:p>
             <a:fld id="{0C4A22D4-62F2-4FB3-ADF1-4C2F498B4DD9}" type="datetimeFigureOut">
               <a:rPr lang="en-US" smtClean="0"/>
-              <a:t>12/13/2024</a:t>
+              <a:t>12/14/2024</a:t>
             </a:fld>
             <a:endParaRPr lang="en-US"/>
           </a:p>
@@ -2957,7 +3034,7 @@
           <a:p>
             <a:fld id="{0C4A22D4-62F2-4FB3-ADF1-4C2F498B4DD9}" type="datetimeFigureOut">
               <a:rPr lang="en-US" smtClean="0"/>
-              <a:t>12/13/2024</a:t>
+              <a:t>12/14/2024</a:t>
             </a:fld>
             <a:endParaRPr lang="en-US"/>
           </a:p>
@@ -3642,6 +3719,304 @@
             <a:schemeClr val="bg1">
               <a:lumMod val="65000"/>
             </a:schemeClr>
+          </a:solidFill>
+          <a:ln>
+            <a:noFill/>
+          </a:ln>
+        </p:spPr>
+        <p:style>
+          <a:lnRef idx="2">
+            <a:schemeClr val="accent1">
+              <a:shade val="15000"/>
+            </a:schemeClr>
+          </a:lnRef>
+          <a:fillRef idx="1">
+            <a:schemeClr val="accent1"/>
+          </a:fillRef>
+          <a:effectRef idx="0">
+            <a:schemeClr val="accent1"/>
+          </a:effectRef>
+          <a:fontRef idx="minor">
+            <a:schemeClr val="lt1"/>
+          </a:fontRef>
+        </p:style>
+        <p:txBody>
+          <a:bodyPr rtlCol="0" anchor="ctr"/>
+          <a:lstStyle/>
+          <a:p>
+            <a:pPr algn="ctr"/>
+            <a:endParaRPr lang="en-US"/>
+          </a:p>
+        </p:txBody>
+      </p:sp>
+      <p:sp>
+        <p:nvSpPr>
+          <p:cNvPr id="2" name="Rectangle 1">
+            <a:extLst>
+              <a:ext uri="{FF2B5EF4-FFF2-40B4-BE49-F238E27FC236}">
+                <a16:creationId xmlns:a16="http://schemas.microsoft.com/office/drawing/2014/main" id="{7A045DCD-F931-3D1E-2549-19C555A77D46}"/>
+              </a:ext>
+            </a:extLst>
+          </p:cNvPr>
+          <p:cNvSpPr/>
+          <p:nvPr/>
+        </p:nvSpPr>
+        <p:spPr>
+          <a:xfrm>
+            <a:off x="3641638" y="2799000"/>
+            <a:ext cx="1260000" cy="1260000"/>
+          </a:xfrm>
+          <a:prstGeom prst="rect">
+            <a:avLst/>
+          </a:prstGeom>
+          <a:noFill/>
+          <a:ln>
+            <a:noFill/>
+          </a:ln>
+        </p:spPr>
+        <p:style>
+          <a:lnRef idx="2">
+            <a:schemeClr val="accent1">
+              <a:shade val="15000"/>
+            </a:schemeClr>
+          </a:lnRef>
+          <a:fillRef idx="1">
+            <a:schemeClr val="accent1"/>
+          </a:fillRef>
+          <a:effectRef idx="0">
+            <a:schemeClr val="accent1"/>
+          </a:effectRef>
+          <a:fontRef idx="minor">
+            <a:schemeClr val="lt1"/>
+          </a:fontRef>
+        </p:style>
+        <p:txBody>
+          <a:bodyPr rtlCol="0" anchor="ctr"/>
+          <a:lstStyle/>
+          <a:p>
+            <a:pPr algn="ctr"/>
+            <a:endParaRPr lang="en-US"/>
+          </a:p>
+        </p:txBody>
+      </p:sp>
+      <p:cxnSp>
+        <p:nvCxnSpPr>
+          <p:cNvPr id="3" name="Straight Connector 2">
+            <a:extLst>
+              <a:ext uri="{FF2B5EF4-FFF2-40B4-BE49-F238E27FC236}">
+                <a16:creationId xmlns:a16="http://schemas.microsoft.com/office/drawing/2014/main" id="{0D6226CE-1512-583A-03F3-21124409D9D2}"/>
+              </a:ext>
+            </a:extLst>
+          </p:cNvPr>
+          <p:cNvCxnSpPr>
+            <a:cxnSpLocks/>
+            <a:stCxn id="5" idx="4"/>
+          </p:cNvCxnSpPr>
+          <p:nvPr/>
+        </p:nvCxnSpPr>
+        <p:spPr>
+          <a:xfrm>
+            <a:off x="4271638" y="3087000"/>
+            <a:ext cx="0" cy="346750"/>
+          </a:xfrm>
+          <a:prstGeom prst="line">
+            <a:avLst/>
+          </a:prstGeom>
+          <a:ln w="38100" cap="rnd">
+            <a:solidFill>
+              <a:schemeClr val="bg2">
+                <a:lumMod val="25000"/>
+              </a:schemeClr>
+            </a:solidFill>
+          </a:ln>
+        </p:spPr>
+        <p:style>
+          <a:lnRef idx="2">
+            <a:schemeClr val="accent1"/>
+          </a:lnRef>
+          <a:fillRef idx="0">
+            <a:schemeClr val="accent1"/>
+          </a:fillRef>
+          <a:effectRef idx="1">
+            <a:schemeClr val="accent1"/>
+          </a:effectRef>
+          <a:fontRef idx="minor">
+            <a:schemeClr val="tx1"/>
+          </a:fontRef>
+        </p:style>
+      </p:cxnSp>
+      <p:sp>
+        <p:nvSpPr>
+          <p:cNvPr id="5" name="Oval 4">
+            <a:extLst>
+              <a:ext uri="{FF2B5EF4-FFF2-40B4-BE49-F238E27FC236}">
+                <a16:creationId xmlns:a16="http://schemas.microsoft.com/office/drawing/2014/main" id="{BCDBB145-3B4B-C348-E62B-92600341C80F}"/>
+              </a:ext>
+            </a:extLst>
+          </p:cNvPr>
+          <p:cNvSpPr/>
+          <p:nvPr/>
+        </p:nvSpPr>
+        <p:spPr>
+          <a:xfrm>
+            <a:off x="4127638" y="2799000"/>
+            <a:ext cx="288000" cy="288000"/>
+          </a:xfrm>
+          <a:prstGeom prst="ellipse">
+            <a:avLst/>
+          </a:prstGeom>
+          <a:solidFill>
+            <a:schemeClr val="accent4">
+              <a:lumMod val="75000"/>
+            </a:schemeClr>
+          </a:solidFill>
+          <a:ln>
+            <a:noFill/>
+          </a:ln>
+        </p:spPr>
+        <p:style>
+          <a:lnRef idx="2">
+            <a:schemeClr val="accent1">
+              <a:shade val="15000"/>
+            </a:schemeClr>
+          </a:lnRef>
+          <a:fillRef idx="1">
+            <a:schemeClr val="accent1"/>
+          </a:fillRef>
+          <a:effectRef idx="0">
+            <a:schemeClr val="accent1"/>
+          </a:effectRef>
+          <a:fontRef idx="minor">
+            <a:schemeClr val="lt1"/>
+          </a:fontRef>
+        </p:style>
+        <p:txBody>
+          <a:bodyPr rtlCol="0" anchor="ctr"/>
+          <a:lstStyle/>
+          <a:p>
+            <a:pPr algn="ctr"/>
+            <a:endParaRPr lang="en-US"/>
+          </a:p>
+        </p:txBody>
+      </p:sp>
+      <p:sp>
+        <p:nvSpPr>
+          <p:cNvPr id="7" name="Rectangle 6">
+            <a:extLst>
+              <a:ext uri="{FF2B5EF4-FFF2-40B4-BE49-F238E27FC236}">
+                <a16:creationId xmlns:a16="http://schemas.microsoft.com/office/drawing/2014/main" id="{68237891-F6AC-EE85-584C-7682771B9343}"/>
+              </a:ext>
+            </a:extLst>
+          </p:cNvPr>
+          <p:cNvSpPr/>
+          <p:nvPr/>
+        </p:nvSpPr>
+        <p:spPr>
+          <a:xfrm>
+            <a:off x="5466000" y="4347000"/>
+            <a:ext cx="1260000" cy="1260000"/>
+          </a:xfrm>
+          <a:prstGeom prst="rect">
+            <a:avLst/>
+          </a:prstGeom>
+          <a:noFill/>
+          <a:ln>
+            <a:noFill/>
+          </a:ln>
+        </p:spPr>
+        <p:style>
+          <a:lnRef idx="2">
+            <a:schemeClr val="accent1">
+              <a:shade val="15000"/>
+            </a:schemeClr>
+          </a:lnRef>
+          <a:fillRef idx="1">
+            <a:schemeClr val="accent1"/>
+          </a:fillRef>
+          <a:effectRef idx="0">
+            <a:schemeClr val="accent1"/>
+          </a:effectRef>
+          <a:fontRef idx="minor">
+            <a:schemeClr val="lt1"/>
+          </a:fontRef>
+        </p:style>
+        <p:txBody>
+          <a:bodyPr rtlCol="0" anchor="ctr"/>
+          <a:lstStyle/>
+          <a:p>
+            <a:pPr algn="ctr"/>
+            <a:endParaRPr lang="en-US"/>
+          </a:p>
+        </p:txBody>
+      </p:sp>
+      <p:cxnSp>
+        <p:nvCxnSpPr>
+          <p:cNvPr id="8" name="Straight Connector 7">
+            <a:extLst>
+              <a:ext uri="{FF2B5EF4-FFF2-40B4-BE49-F238E27FC236}">
+                <a16:creationId xmlns:a16="http://schemas.microsoft.com/office/drawing/2014/main" id="{31F13175-D4C9-6613-E05C-250A15068EAD}"/>
+              </a:ext>
+            </a:extLst>
+          </p:cNvPr>
+          <p:cNvCxnSpPr>
+            <a:cxnSpLocks/>
+            <a:stCxn id="10" idx="4"/>
+          </p:cNvCxnSpPr>
+          <p:nvPr/>
+        </p:nvCxnSpPr>
+        <p:spPr>
+          <a:xfrm>
+            <a:off x="6096000" y="4635000"/>
+            <a:ext cx="0" cy="346750"/>
+          </a:xfrm>
+          <a:prstGeom prst="line">
+            <a:avLst/>
+          </a:prstGeom>
+          <a:ln w="38100" cap="rnd">
+            <a:solidFill>
+              <a:schemeClr val="bg2">
+                <a:lumMod val="25000"/>
+              </a:schemeClr>
+            </a:solidFill>
+          </a:ln>
+        </p:spPr>
+        <p:style>
+          <a:lnRef idx="2">
+            <a:schemeClr val="accent1"/>
+          </a:lnRef>
+          <a:fillRef idx="0">
+            <a:schemeClr val="accent1"/>
+          </a:fillRef>
+          <a:effectRef idx="1">
+            <a:schemeClr val="accent1"/>
+          </a:effectRef>
+          <a:fontRef idx="minor">
+            <a:schemeClr val="tx1"/>
+          </a:fontRef>
+        </p:style>
+      </p:cxnSp>
+      <p:sp>
+        <p:nvSpPr>
+          <p:cNvPr id="10" name="Oval 9">
+            <a:extLst>
+              <a:ext uri="{FF2B5EF4-FFF2-40B4-BE49-F238E27FC236}">
+                <a16:creationId xmlns:a16="http://schemas.microsoft.com/office/drawing/2014/main" id="{5604021B-19BB-AADB-C9B3-A0416720BAB6}"/>
+              </a:ext>
+            </a:extLst>
+          </p:cNvPr>
+          <p:cNvSpPr/>
+          <p:nvPr/>
+        </p:nvSpPr>
+        <p:spPr>
+          <a:xfrm>
+            <a:off x="5952000" y="4347000"/>
+            <a:ext cx="288000" cy="288000"/>
+          </a:xfrm>
+          <a:prstGeom prst="ellipse">
+            <a:avLst/>
+          </a:prstGeom>
+          <a:solidFill>
+            <a:srgbClr val="0045DE"/>
           </a:solidFill>
           <a:ln>
             <a:noFill/>
